--- a/Day3-Pandas/Ch03-Pandas.pptx
+++ b/Day3-Pandas/Ch03-Pandas.pptx
@@ -15998,7 +15998,27 @@
                 <a:latin typeface="Courier New"/>
                 <a:cs typeface="Courier New"/>
               </a:rPr>
-              <a:t>data2 = DataFrame(np.arange(12.0).reshape((4,3)), columns=list('ace’), index=['one','two'</a:t>
+              <a:t>data2 = DataFrame(np.arange(12.0).reshape((4,3)), columns=list</a:t>
+            </a:r>
+            <a:r>
+              <a:rPr lang="en-US" sz="1600" b="1">
+                <a:solidFill>
+                  <a:schemeClr val="tx1"/>
+                </a:solidFill>
+                <a:latin typeface="Courier New"/>
+                <a:cs typeface="Courier New"/>
+              </a:rPr>
+              <a:t>('ace'), </a:t>
+            </a:r>
+            <a:r>
+              <a:rPr lang="en-US" sz="1600" b="1" dirty="0">
+                <a:solidFill>
+                  <a:schemeClr val="tx1"/>
+                </a:solidFill>
+                <a:latin typeface="Courier New"/>
+                <a:cs typeface="Courier New"/>
+              </a:rPr>
+              <a:t>index=['one','two'</a:t>
             </a:r>
             <a:r>
               <a:rPr lang="mr-IN" sz="1600" b="1" dirty="0">
@@ -38237,15 +38257,6 @@
 </file>
 
 <file path=customXml/item1.xml><?xml version="1.0" encoding="utf-8"?>
-<?mso-contentType ?>
-<FormTemplates xmlns="http://schemas.microsoft.com/sharepoint/v3/contenttype/forms">
-  <Display>DocumentLibraryForm</Display>
-  <Edit>DocumentLibraryForm</Edit>
-  <New>DocumentLibraryForm</New>
-</FormTemplates>
-</file>
-
-<file path=customXml/item2.xml><?xml version="1.0" encoding="utf-8"?>
 <p:properties xmlns:p="http://schemas.microsoft.com/office/2006/metadata/properties" xmlns:xsi="http://www.w3.org/2001/XMLSchema-instance" xmlns:pc="http://schemas.microsoft.com/office/infopath/2007/PartnerControls">
   <documentManagement>
     <_dlc_DocId xmlns="037063e9-a85e-4c78-8627-f1a9315663e5">EVEA5JW6U4JV-6-9958</_dlc_DocId>
@@ -38257,6 +38268,52 @@
     <Customization_x0020_Information xmlns="027ed24f-5970-4294-be5c-0919c5aaa214" xsi:nil="true"/>
   </documentManagement>
 </p:properties>
+</file>
+
+<file path=customXml/item2.xml><?xml version="1.0" encoding="utf-8"?>
+<?mso-contentType ?>
+<spe:Receivers xmlns:spe="http://schemas.microsoft.com/sharepoint/events">
+  <Receiver>
+    <Name>Document ID Generator</Name>
+    <Synchronization>Synchronous</Synchronization>
+    <Type>10001</Type>
+    <SequenceNumber>1000</SequenceNumber>
+    <Assembly>Microsoft.Office.DocumentManagement, Version=14.0.0.0, Culture=neutral, PublicKeyToken=71e9bce111e9429c</Assembly>
+    <Class>Microsoft.Office.DocumentManagement.Internal.DocIdHandler</Class>
+    <Data/>
+    <Filter/>
+  </Receiver>
+  <Receiver>
+    <Name>Document ID Generator</Name>
+    <Synchronization>Synchronous</Synchronization>
+    <Type>10002</Type>
+    <SequenceNumber>1001</SequenceNumber>
+    <Assembly>Microsoft.Office.DocumentManagement, Version=14.0.0.0, Culture=neutral, PublicKeyToken=71e9bce111e9429c</Assembly>
+    <Class>Microsoft.Office.DocumentManagement.Internal.DocIdHandler</Class>
+    <Data/>
+    <Filter/>
+  </Receiver>
+  <Receiver>
+    <Name>Document ID Generator</Name>
+    <Synchronization>Synchronous</Synchronization>
+    <Type>10004</Type>
+    <SequenceNumber>1002</SequenceNumber>
+    <Assembly>Microsoft.Office.DocumentManagement, Version=14.0.0.0, Culture=neutral, PublicKeyToken=71e9bce111e9429c</Assembly>
+    <Class>Microsoft.Office.DocumentManagement.Internal.DocIdHandler</Class>
+    <Data/>
+    <Filter/>
+  </Receiver>
+  <Receiver>
+    <Name>Document ID Generator</Name>
+    <Synchronization>Synchronous</Synchronization>
+    <Type>10006</Type>
+    <SequenceNumber>1003</SequenceNumber>
+    <Assembly>Microsoft.Office.DocumentManagement, Version=14.0.0.0, Culture=neutral, PublicKeyToken=71e9bce111e9429c</Assembly>
+    <Class>Microsoft.Office.DocumentManagement.Internal.DocIdHandler</Class>
+    <Data/>
+    <Filter/>
+  </Receiver>
+</spe:Receivers>
 </file>
 
 <file path=customXml/item3.xml><?xml version="1.0" encoding="utf-8"?>
@@ -38427,59 +38484,14 @@
 
 <file path=customXml/item4.xml><?xml version="1.0" encoding="utf-8"?>
 <?mso-contentType ?>
-<spe:Receivers xmlns:spe="http://schemas.microsoft.com/sharepoint/events">
-  <Receiver>
-    <Name>Document ID Generator</Name>
-    <Synchronization>Synchronous</Synchronization>
-    <Type>10001</Type>
-    <SequenceNumber>1000</SequenceNumber>
-    <Assembly>Microsoft.Office.DocumentManagement, Version=14.0.0.0, Culture=neutral, PublicKeyToken=71e9bce111e9429c</Assembly>
-    <Class>Microsoft.Office.DocumentManagement.Internal.DocIdHandler</Class>
-    <Data/>
-    <Filter/>
-  </Receiver>
-  <Receiver>
-    <Name>Document ID Generator</Name>
-    <Synchronization>Synchronous</Synchronization>
-    <Type>10002</Type>
-    <SequenceNumber>1001</SequenceNumber>
-    <Assembly>Microsoft.Office.DocumentManagement, Version=14.0.0.0, Culture=neutral, PublicKeyToken=71e9bce111e9429c</Assembly>
-    <Class>Microsoft.Office.DocumentManagement.Internal.DocIdHandler</Class>
-    <Data/>
-    <Filter/>
-  </Receiver>
-  <Receiver>
-    <Name>Document ID Generator</Name>
-    <Synchronization>Synchronous</Synchronization>
-    <Type>10004</Type>
-    <SequenceNumber>1002</SequenceNumber>
-    <Assembly>Microsoft.Office.DocumentManagement, Version=14.0.0.0, Culture=neutral, PublicKeyToken=71e9bce111e9429c</Assembly>
-    <Class>Microsoft.Office.DocumentManagement.Internal.DocIdHandler</Class>
-    <Data/>
-    <Filter/>
-  </Receiver>
-  <Receiver>
-    <Name>Document ID Generator</Name>
-    <Synchronization>Synchronous</Synchronization>
-    <Type>10006</Type>
-    <SequenceNumber>1003</SequenceNumber>
-    <Assembly>Microsoft.Office.DocumentManagement, Version=14.0.0.0, Culture=neutral, PublicKeyToken=71e9bce111e9429c</Assembly>
-    <Class>Microsoft.Office.DocumentManagement.Internal.DocIdHandler</Class>
-    <Data/>
-    <Filter/>
-  </Receiver>
-</spe:Receivers>
+<FormTemplates xmlns="http://schemas.microsoft.com/sharepoint/v3/contenttype/forms">
+  <Display>DocumentLibraryForm</Display>
+  <Edit>DocumentLibraryForm</Edit>
+  <New>DocumentLibraryForm</New>
+</FormTemplates>
 </file>
 
 <file path=customXml/itemProps1.xml><?xml version="1.0" encoding="utf-8"?>
-<ds:datastoreItem xmlns:ds="http://schemas.openxmlformats.org/officeDocument/2006/customXml" ds:itemID="{2DA015F3-603C-4688-A5F3-81D587DAB8C9}">
-  <ds:schemaRefs>
-    <ds:schemaRef ds:uri="http://schemas.microsoft.com/sharepoint/v3/contenttype/forms"/>
-  </ds:schemaRefs>
-</ds:datastoreItem>
-</file>
-
-<file path=customXml/itemProps2.xml><?xml version="1.0" encoding="utf-8"?>
 <ds:datastoreItem xmlns:ds="http://schemas.openxmlformats.org/officeDocument/2006/customXml" ds:itemID="{F47B9207-CE5C-49AD-B414-15CBFA246D65}">
   <ds:schemaRefs>
     <ds:schemaRef ds:uri="037063e9-a85e-4c78-8627-f1a9315663e5"/>
@@ -38492,6 +38504,14 @@
     <ds:schemaRef ds:uri="027ed24f-5970-4294-be5c-0919c5aaa214"/>
     <ds:schemaRef ds:uri="http://www.w3.org/XML/1998/namespace"/>
     <ds:schemaRef ds:uri="http://purl.org/dc/dcmitype/"/>
+  </ds:schemaRefs>
+</ds:datastoreItem>
+</file>
+
+<file path=customXml/itemProps2.xml><?xml version="1.0" encoding="utf-8"?>
+<ds:datastoreItem xmlns:ds="http://schemas.openxmlformats.org/officeDocument/2006/customXml" ds:itemID="{B9043294-8302-4947-B882-02D6486F929C}">
+  <ds:schemaRefs>
+    <ds:schemaRef ds:uri="http://schemas.microsoft.com/sharepoint/events"/>
   </ds:schemaRefs>
 </ds:datastoreItem>
 </file>
@@ -38516,9 +38536,9 @@
 </file>
 
 <file path=customXml/itemProps4.xml><?xml version="1.0" encoding="utf-8"?>
-<ds:datastoreItem xmlns:ds="http://schemas.openxmlformats.org/officeDocument/2006/customXml" ds:itemID="{B9043294-8302-4947-B882-02D6486F929C}">
+<ds:datastoreItem xmlns:ds="http://schemas.openxmlformats.org/officeDocument/2006/customXml" ds:itemID="{2DA015F3-603C-4688-A5F3-81D587DAB8C9}">
   <ds:schemaRefs>
-    <ds:schemaRef ds:uri="http://schemas.microsoft.com/sharepoint/events"/>
+    <ds:schemaRef ds:uri="http://schemas.microsoft.com/sharepoint/v3/contenttype/forms"/>
   </ds:schemaRefs>
 </ds:datastoreItem>
 </file>
--- a/Day3-Pandas/Ch03-Pandas.pptx
+++ b/Day3-Pandas/Ch03-Pandas.pptx
@@ -315,7 +315,7 @@
                 <a:ea typeface="Tahoma" pitchFamily="34" charset="0"/>
                 <a:cs typeface="Tahoma" pitchFamily="34" charset="0"/>
               </a:rPr>
-              <a:t>811M: Python for Data Scientists</a:t>
+              <a:t>Python Program</a:t>
             </a:r>
           </a:p>
         </p:txBody>
@@ -837,7 +837,7 @@
                 </a:solidFill>
                 <a:latin typeface="Tahoma" pitchFamily="34" charset="0"/>
               </a:rPr>
-              <a:t>811M: Python for Data Scientists</a:t>
+              <a:t>Python Program</a:t>
             </a:r>
           </a:p>
         </p:txBody>
@@ -2399,7 +2399,12 @@
             <p:ph type="sldImg"/>
           </p:nvPr>
         </p:nvSpPr>
-        <p:spPr/>
+        <p:spPr>
+          <a:xfrm>
+            <a:off x="1189038" y="701675"/>
+            <a:ext cx="4676775" cy="3508375"/>
+          </a:xfrm>
+        </p:spPr>
       </p:sp>
       <p:sp>
         <p:nvSpPr>
@@ -2416,7 +2421,7 @@
           <a:bodyPr/>
           <a:lstStyle/>
           <a:p>
-            <a:endParaRPr lang="en-US"/>
+            <a:endParaRPr lang="en-US" dirty="0"/>
           </a:p>
         </p:txBody>
       </p:sp>
@@ -2460,7 +2465,12 @@
             <p:ph type="sldImg"/>
           </p:nvPr>
         </p:nvSpPr>
-        <p:spPr/>
+        <p:spPr>
+          <a:xfrm>
+            <a:off x="1189038" y="701675"/>
+            <a:ext cx="4676775" cy="3508375"/>
+          </a:xfrm>
+        </p:spPr>
       </p:sp>
       <p:sp>
         <p:nvSpPr>
@@ -2477,7 +2487,7 @@
           <a:bodyPr/>
           <a:lstStyle/>
           <a:p>
-            <a:endParaRPr lang="en-US"/>
+            <a:endParaRPr lang="en-US" dirty="0"/>
           </a:p>
         </p:txBody>
       </p:sp>
@@ -2543,7 +2553,7 @@
           <a:bodyPr/>
           <a:lstStyle/>
           <a:p>
-            <a:endParaRPr lang="en-US"/>
+            <a:endParaRPr lang="en-US" dirty="0"/>
           </a:p>
         </p:txBody>
       </p:sp>
@@ -2609,7 +2619,7 @@
           <a:bodyPr/>
           <a:lstStyle/>
           <a:p>
-            <a:endParaRPr lang="en-US"/>
+            <a:endParaRPr lang="en-US" dirty="0"/>
           </a:p>
         </p:txBody>
       </p:sp>
@@ -2741,7 +2751,7 @@
           <a:bodyPr/>
           <a:lstStyle/>
           <a:p>
-            <a:endParaRPr lang="en-US"/>
+            <a:endParaRPr lang="en-US" dirty="0"/>
           </a:p>
         </p:txBody>
       </p:sp>
@@ -2807,7 +2817,7 @@
           <a:bodyPr/>
           <a:lstStyle/>
           <a:p>
-            <a:endParaRPr lang="en-US"/>
+            <a:endParaRPr lang="en-US" dirty="0"/>
           </a:p>
         </p:txBody>
       </p:sp>
@@ -2917,7 +2927,12 @@
             <p:ph type="sldImg"/>
           </p:nvPr>
         </p:nvSpPr>
-        <p:spPr/>
+        <p:spPr>
+          <a:xfrm>
+            <a:off x="1189038" y="701675"/>
+            <a:ext cx="4676775" cy="3508375"/>
+          </a:xfrm>
+        </p:spPr>
       </p:sp>
       <p:sp>
         <p:nvSpPr>
@@ -2934,7 +2949,7 @@
           <a:bodyPr/>
           <a:lstStyle/>
           <a:p>
-            <a:endParaRPr lang="en-US"/>
+            <a:endParaRPr lang="en-US" dirty="0"/>
           </a:p>
         </p:txBody>
       </p:sp>
@@ -7841,7 +7856,7 @@
                 </a:solidFill>
                 <a:latin typeface="Tahoma" charset="0"/>
               </a:rPr>
-              <a:t>© 2019</a:t>
+              <a:t>© 2020</a:t>
             </a:r>
             <a:r>
               <a:rPr lang="en-US" sz="700" b="0" baseline="0" dirty="0">
@@ -7943,7 +7958,7 @@
                 <a:ea typeface="Tahoma" panose="020B0604030504040204" pitchFamily="34" charset="0"/>
                 <a:cs typeface="Tahoma" panose="020B0604030504040204" pitchFamily="34" charset="0"/>
               </a:rPr>
-              <a:t>811M: Python for Data Scientists</a:t>
+              <a:t>Python Program</a:t>
             </a:r>
           </a:p>
         </p:txBody>
@@ -8727,7 +8742,7 @@
           <a:p>
             <a:r>
               <a:rPr lang="en-US" dirty="0"/>
-              <a:t>Python for Data Scientists</a:t>
+              <a:t>Python Program</a:t>
             </a:r>
           </a:p>
         </p:txBody>
@@ -11532,7 +11547,7 @@
             </a:r>
             <a:r>
               <a:rPr lang="en-US" dirty="0"/>
-              <a:t> can be retrieve by index using integers and indexes </a:t>
+              <a:t> can be retrieved by index using integers and indexes </a:t>
             </a:r>
           </a:p>
         </p:txBody>
@@ -15760,27 +15775,7 @@
                 <a:latin typeface="Courier New"/>
                 <a:cs typeface="Courier New"/>
               </a:rPr>
-              <a:t>data2 = DataFrame(np.arange(12.0).reshape((4,3)), columns=list</a:t>
-            </a:r>
-            <a:r>
-              <a:rPr lang="en-US" sz="1600" b="1">
-                <a:solidFill>
-                  <a:schemeClr val="tx1"/>
-                </a:solidFill>
-                <a:latin typeface="Courier New"/>
-                <a:cs typeface="Courier New"/>
-              </a:rPr>
-              <a:t>('ace'), </a:t>
-            </a:r>
-            <a:r>
-              <a:rPr lang="en-US" sz="1600" b="1" dirty="0">
-                <a:solidFill>
-                  <a:schemeClr val="tx1"/>
-                </a:solidFill>
-                <a:latin typeface="Courier New"/>
-                <a:cs typeface="Courier New"/>
-              </a:rPr>
-              <a:t>index=['one','two'</a:t>
+              <a:t>data2 = DataFrame(np.arange(12.0).reshape((4,3)), columns=list('ace'), index=['one','two'</a:t>
             </a:r>
             <a:r>
               <a:rPr lang="mr-IN" sz="1600" b="1" dirty="0">
@@ -19363,27 +19358,7 @@
                 <a:latin typeface="Courier New"/>
                 <a:cs typeface="Courier New"/>
               </a:rPr>
-              <a:t>print(</a:t>
-            </a:r>
-            <a:r>
-              <a:rPr lang="en-US" sz="1600" b="1" dirty="0" err="1">
-                <a:solidFill>
-                  <a:schemeClr val="tx1"/>
-                </a:solidFill>
-                <a:latin typeface="Courier New"/>
-                <a:cs typeface="Courier New"/>
-              </a:rPr>
-              <a:t>data.sort_values</a:t>
-            </a:r>
-            <a:r>
-              <a:rPr lang="en-US" sz="1600" b="1" dirty="0">
-                <a:solidFill>
-                  <a:schemeClr val="tx1"/>
-                </a:solidFill>
-                <a:latin typeface="Courier New"/>
-                <a:cs typeface="Courier New"/>
-              </a:rPr>
-              <a:t>(by=[1], ascending=False))</a:t>
+              <a:t>print(data.sort_values(by=[1], ascending=False))</a:t>
             </a:r>
           </a:p>
         </p:txBody>
@@ -22042,27 +22017,7 @@
                 <a:latin typeface="Tahoma"/>
                 <a:ea typeface="Tahoma"/>
               </a:rPr>
-              <a:t> would work for this file too, but it's been </a:t>
-            </a:r>
-            <a:r>
-              <a:rPr lang="en-US" sz="1800" b="0" strike="noStrike" spc="-1" dirty="0" err="1">
-                <a:solidFill>
-                  <a:srgbClr val="000000"/>
-                </a:solidFill>
-                <a:latin typeface="Tahoma"/>
-                <a:ea typeface="Tahoma"/>
-              </a:rPr>
-              <a:t>depricated</a:t>
-            </a:r>
-            <a:r>
-              <a:rPr lang="en-US" sz="1800" b="0" strike="noStrike" spc="-1" dirty="0">
-                <a:solidFill>
-                  <a:srgbClr val="000000"/>
-                </a:solidFill>
-                <a:latin typeface="Tahoma"/>
-                <a:ea typeface="Tahoma"/>
-              </a:rPr>
-              <a:t>	</a:t>
+              <a:t> would work for this file too, but it's been deprecated	</a:t>
             </a:r>
             <a:endParaRPr lang="en-US" sz="1800" b="0" strike="noStrike" spc="-1" dirty="0">
               <a:solidFill>
@@ -22161,47 +22116,7 @@
                 <a:latin typeface="Courier New"/>
                 <a:ea typeface="MS PGothic"/>
               </a:rPr>
-              <a:t>data = </a:t>
-            </a:r>
-            <a:r>
-              <a:rPr lang="en-US" sz="1800" b="1" strike="noStrike" spc="-1" dirty="0" err="1">
-                <a:solidFill>
-                  <a:srgbClr val="000000"/>
-                </a:solidFill>
-                <a:latin typeface="Courier New"/>
-                <a:ea typeface="MS PGothic"/>
-              </a:rPr>
-              <a:t>pd.read_csv</a:t>
-            </a:r>
-            <a:r>
-              <a:rPr lang="en-US" sz="1800" b="1" strike="noStrike" spc="-1" dirty="0">
-                <a:solidFill>
-                  <a:srgbClr val="000000"/>
-                </a:solidFill>
-                <a:latin typeface="Courier New"/>
-                <a:ea typeface="MS PGothic"/>
-              </a:rPr>
-              <a:t>('</a:t>
-            </a:r>
-            <a:r>
-              <a:rPr lang="en-US" sz="1800" b="1" strike="noStrike" spc="-1" dirty="0" err="1">
-                <a:solidFill>
-                  <a:srgbClr val="000000"/>
-                </a:solidFill>
-                <a:latin typeface="Courier New"/>
-                <a:ea typeface="MS PGothic"/>
-              </a:rPr>
-              <a:t>sample.csv</a:t>
-            </a:r>
-            <a:r>
-              <a:rPr lang="en-US" sz="1800" b="1" strike="noStrike" spc="-1" dirty="0">
-                <a:solidFill>
-                  <a:srgbClr val="000000"/>
-                </a:solidFill>
-                <a:latin typeface="Courier New"/>
-                <a:ea typeface="MS PGothic"/>
-              </a:rPr>
-              <a:t>’)</a:t>
+              <a:t>data = pd.read_csv('sample.csv’)</a:t>
             </a:r>
             <a:endParaRPr lang="en-US" sz="1800" b="1" strike="noStrike" spc="-1" dirty="0">
               <a:latin typeface="Arial"/>
@@ -22444,24 +22359,14 @@
               </a:lnSpc>
             </a:pPr>
             <a:r>
-              <a:rPr lang="en-US" sz="1800" b="1" strike="noStrike" spc="-1" dirty="0" err="1">
+              <a:rPr lang="en-US" sz="1800" b="1" strike="noStrike" spc="-1" dirty="0">
                 <a:solidFill>
                   <a:srgbClr val="000000"/>
                 </a:solidFill>
                 <a:latin typeface="Courier New"/>
                 <a:ea typeface="MS PGothic"/>
               </a:rPr>
-              <a:t>pd.read_table</a:t>
-            </a:r>
-            <a:r>
-              <a:rPr lang="en-US" sz="1800" b="1" strike="noStrike" spc="-1" dirty="0">
-                <a:solidFill>
-                  <a:srgbClr val="000000"/>
-                </a:solidFill>
-                <a:latin typeface="Courier New"/>
-                <a:ea typeface="MS PGothic"/>
-              </a:rPr>
-              <a:t>('sample.csv',sep=',')</a:t>
+              <a:t>pd.read_table('sample.csv',sep=',')</a:t>
             </a:r>
             <a:endParaRPr lang="en-US" sz="1800" b="1" strike="noStrike" spc="-1" dirty="0">
               <a:latin typeface="Arial"/>
@@ -22881,47 +22786,7 @@
                 <a:latin typeface="Courier New"/>
                 <a:ea typeface="MS PGothic"/>
               </a:rPr>
-              <a:t>fragment = </a:t>
-            </a:r>
-            <a:r>
-              <a:rPr lang="en-US" sz="1800" b="1" strike="noStrike" spc="-1" dirty="0" err="1">
-                <a:solidFill>
-                  <a:srgbClr val="000000"/>
-                </a:solidFill>
-                <a:latin typeface="Courier New"/>
-                <a:ea typeface="MS PGothic"/>
-              </a:rPr>
-              <a:t>pd.read_csv</a:t>
-            </a:r>
-            <a:r>
-              <a:rPr lang="en-US" sz="1800" b="1" strike="noStrike" spc="-1" dirty="0">
-                <a:solidFill>
-                  <a:srgbClr val="000000"/>
-                </a:solidFill>
-                <a:latin typeface="Courier New"/>
-                <a:ea typeface="MS PGothic"/>
-              </a:rPr>
-              <a:t>('</a:t>
-            </a:r>
-            <a:r>
-              <a:rPr lang="en-US" sz="1800" b="1" strike="noStrike" spc="-1" dirty="0" err="1">
-                <a:solidFill>
-                  <a:srgbClr val="000000"/>
-                </a:solidFill>
-                <a:latin typeface="Courier New"/>
-                <a:ea typeface="MS PGothic"/>
-              </a:rPr>
-              <a:t>sample.csv</a:t>
-            </a:r>
-            <a:r>
-              <a:rPr lang="en-US" sz="1800" b="1" strike="noStrike" spc="-1" dirty="0">
-                <a:solidFill>
-                  <a:srgbClr val="000000"/>
-                </a:solidFill>
-                <a:latin typeface="Courier New"/>
-                <a:ea typeface="MS PGothic"/>
-              </a:rPr>
-              <a:t>', chunksize=1)</a:t>
+              <a:t>fragment = pd.read_csv('sample.csv', chunksize=1)</a:t>
             </a:r>
             <a:endParaRPr lang="en-US" sz="1800" b="1" strike="noStrike" spc="-1" dirty="0">
               <a:latin typeface="Arial"/>
@@ -23978,24 +23843,14 @@
               </a:lnSpc>
             </a:pPr>
             <a:r>
-              <a:rPr lang="en-US" sz="1800" b="1" strike="noStrike" spc="-1" dirty="0" err="1">
+              <a:rPr lang="en-US" sz="1800" b="1" strike="noStrike" spc="-1" dirty="0">
                 <a:solidFill>
                   <a:srgbClr val="000000"/>
                 </a:solidFill>
                 <a:latin typeface="Courier New"/>
                 <a:ea typeface="MS PGothic"/>
               </a:rPr>
-              <a:t>data.to_csv</a:t>
-            </a:r>
-            <a:r>
-              <a:rPr lang="en-US" sz="1800" b="1" strike="noStrike" spc="-1" dirty="0">
-                <a:solidFill>
-                  <a:srgbClr val="000000"/>
-                </a:solidFill>
-                <a:latin typeface="Courier New"/>
-                <a:ea typeface="MS PGothic"/>
-              </a:rPr>
-              <a:t>('file1.csv')</a:t>
+              <a:t>data.to_csv('file1.csv')</a:t>
             </a:r>
             <a:endParaRPr lang="en-US" sz="1800" b="1" strike="noStrike" spc="-1" dirty="0">
               <a:latin typeface="Arial"/>
@@ -24488,27 +24343,7 @@
                 <a:latin typeface="Courier New"/>
                 <a:ea typeface="MS PGothic"/>
               </a:rPr>
-              <a:t>data = json.loads(open('</a:t>
-            </a:r>
-            <a:r>
-              <a:rPr lang="en-US" sz="1600" b="1" strike="noStrike" spc="-1" dirty="0" err="1">
-                <a:solidFill>
-                  <a:srgbClr val="000000"/>
-                </a:solidFill>
-                <a:latin typeface="Courier New"/>
-                <a:ea typeface="MS PGothic"/>
-              </a:rPr>
-              <a:t>example.json</a:t>
-            </a:r>
-            <a:r>
-              <a:rPr lang="en-US" sz="1600" b="1" strike="noStrike" spc="-1" dirty="0">
-                <a:solidFill>
-                  <a:srgbClr val="000000"/>
-                </a:solidFill>
-                <a:latin typeface="Courier New"/>
-                <a:ea typeface="MS PGothic"/>
-              </a:rPr>
-              <a:t>').read())</a:t>
+              <a:t>data = json.loads(open('example.json').read())</a:t>
             </a:r>
             <a:endParaRPr lang="en-US" sz="1600" b="1" strike="noStrike" spc="-1" dirty="0">
               <a:latin typeface="Arial"/>
@@ -30213,21 +30048,7 @@
                 <a:latin typeface="Courier New"/>
                 <a:cs typeface="Courier New"/>
               </a:rPr>
-              <a:t>from pandas import </a:t>
-            </a:r>
-            <a:r>
-              <a:rPr lang="en-US" dirty="0" err="1">
-                <a:latin typeface="Courier New"/>
-                <a:cs typeface="Courier New"/>
-              </a:rPr>
-              <a:t>DataFrame</a:t>
-            </a:r>
-            <a:r>
-              <a:rPr lang="en-US" dirty="0">
-                <a:latin typeface="Courier New"/>
-                <a:cs typeface="Courier New"/>
-              </a:rPr>
-              <a:t>, Series</a:t>
+              <a:t>from pandas import DataFrame, Series</a:t>
             </a:r>
             <a:endParaRPr lang="en-US" dirty="0"/>
           </a:p>
@@ -32984,27 +32805,7 @@
                 <a:latin typeface="Courier New"/>
                 <a:cs typeface="Courier New"/>
               </a:rPr>
-              <a:t>2   </a:t>
-            </a:r>
-            <a:r>
-              <a:rPr lang="en-US" sz="1400" dirty="0" err="1">
-                <a:solidFill>
-                  <a:schemeClr val="tx1"/>
-                </a:solidFill>
-                <a:latin typeface="Courier New"/>
-                <a:cs typeface="Courier New"/>
-              </a:rPr>
-              <a:t>NaN</a:t>
-            </a:r>
-            <a:r>
-              <a:rPr lang="en-US" sz="1400" dirty="0">
-                <a:solidFill>
-                  <a:schemeClr val="tx1"/>
-                </a:solidFill>
-                <a:latin typeface="Courier New"/>
-                <a:cs typeface="Courier New"/>
-              </a:rPr>
-              <a:t>  12.0	    </a:t>
+              <a:t>2   NaN  12.0	    </a:t>
             </a:r>
             <a:endParaRPr lang="mr-IN" sz="1400" dirty="0">
               <a:solidFill>
@@ -36437,7 +36238,7 @@
               <a:t>If no key is provided, then </a:t>
             </a:r>
             <a:r>
-              <a:rPr lang="en-US" dirty="0" err="1">
+              <a:rPr lang="en-US" dirty="0">
                 <a:latin typeface="Courier New" panose="02070309020205020404" pitchFamily="49" charset="0"/>
                 <a:cs typeface="Courier New" panose="02070309020205020404" pitchFamily="49" charset="0"/>
               </a:rPr>
@@ -38141,6 +37942,15 @@
 
 <file path=customXml/item1.xml><?xml version="1.0" encoding="utf-8"?>
 <?mso-contentType ?>
+<FormTemplates xmlns="http://schemas.microsoft.com/sharepoint/v3/contenttype/forms">
+  <Display>DocumentLibraryForm</Display>
+  <Edit>DocumentLibraryForm</Edit>
+  <New>DocumentLibraryForm</New>
+</FormTemplates>
+</file>
+
+<file path=customXml/item2.xml><?xml version="1.0" encoding="utf-8"?>
+<?mso-contentType ?>
 <spe:Receivers xmlns:spe="http://schemas.microsoft.com/sharepoint/events">
   <Receiver>
     <Name>Document ID Generator</Name>
@@ -38185,16 +37995,21 @@
 </spe:Receivers>
 </file>
 
-<file path=customXml/item2.xml><?xml version="1.0" encoding="utf-8"?>
-<?mso-contentType ?>
-<FormTemplates xmlns="http://schemas.microsoft.com/sharepoint/v3/contenttype/forms">
-  <Display>DocumentLibraryForm</Display>
-  <Edit>DocumentLibraryForm</Edit>
-  <New>DocumentLibraryForm</New>
-</FormTemplates>
+<file path=customXml/item3.xml><?xml version="1.0" encoding="utf-8"?>
+<p:properties xmlns:p="http://schemas.microsoft.com/office/2006/metadata/properties" xmlns:xsi="http://www.w3.org/2001/XMLSchema-instance" xmlns:pc="http://schemas.microsoft.com/office/infopath/2007/PartnerControls">
+  <documentManagement>
+    <_dlc_DocId xmlns="037063e9-a85e-4c78-8627-f1a9315663e5">EVEA5JW6U4JV-6-9958</_dlc_DocId>
+    <_dlc_DocIdUrl xmlns="037063e9-a85e-4c78-8627-f1a9315663e5">
+      <Url>https://portal.roitraining.com/Courses/_layouts/DocIdRedir.aspx?ID=EVEA5JW6U4JV-6-9958</Url>
+      <Description>EVEA5JW6U4JV-6-9958</Description>
+    </_dlc_DocIdUrl>
+    <Date_x0020_last_x0020_used xmlns="027ed24f-5970-4294-be5c-0919c5aaa214" xsi:nil="true"/>
+    <Customization_x0020_Information xmlns="027ed24f-5970-4294-be5c-0919c5aaa214" xsi:nil="true"/>
+  </documentManagement>
+</p:properties>
 </file>
 
-<file path=customXml/item3.xml><?xml version="1.0" encoding="utf-8"?>
+<file path=customXml/item4.xml><?xml version="1.0" encoding="utf-8"?>
 <ct:contentTypeSchema xmlns:ct="http://schemas.microsoft.com/office/2006/metadata/contentType" xmlns:ma="http://schemas.microsoft.com/office/2006/metadata/properties/metaAttributes" ct:_="" ma:_="" ma:contentTypeName="Document" ma:contentTypeID="0x0101006B08A054FD435346B287BB258D6D8C2A" ma:contentTypeVersion="2" ma:contentTypeDescription="Create a new document." ma:contentTypeScope="" ma:versionID="6146b90b4382322d8952632f355192b7">
   <xsd:schema xmlns:xsd="http://www.w3.org/2001/XMLSchema" xmlns:xs="http://www.w3.org/2001/XMLSchema" xmlns:p="http://schemas.microsoft.com/office/2006/metadata/properties" xmlns:ns2="027ed24f-5970-4294-be5c-0919c5aaa214" xmlns:ns3="037063e9-a85e-4c78-8627-f1a9315663e5" targetNamespace="http://schemas.microsoft.com/office/2006/metadata/properties" ma:root="true" ma:fieldsID="b5d91f802dafd2e22aeea528efbe2d3e" ns2:_="" ns3:_="">
     <xsd:import namespace="027ed24f-5970-4294-be5c-0919c5aaa214"/>
@@ -38360,21 +38175,15 @@
 </ct:contentTypeSchema>
 </file>
 
-<file path=customXml/item4.xml><?xml version="1.0" encoding="utf-8"?>
-<p:properties xmlns:p="http://schemas.microsoft.com/office/2006/metadata/properties" xmlns:xsi="http://www.w3.org/2001/XMLSchema-instance" xmlns:pc="http://schemas.microsoft.com/office/infopath/2007/PartnerControls">
-  <documentManagement>
-    <_dlc_DocId xmlns="037063e9-a85e-4c78-8627-f1a9315663e5">EVEA5JW6U4JV-6-9958</_dlc_DocId>
-    <_dlc_DocIdUrl xmlns="037063e9-a85e-4c78-8627-f1a9315663e5">
-      <Url>https://portal.roitraining.com/Courses/_layouts/DocIdRedir.aspx?ID=EVEA5JW6U4JV-6-9958</Url>
-      <Description>EVEA5JW6U4JV-6-9958</Description>
-    </_dlc_DocIdUrl>
-    <Date_x0020_last_x0020_used xmlns="027ed24f-5970-4294-be5c-0919c5aaa214" xsi:nil="true"/>
-    <Customization_x0020_Information xmlns="027ed24f-5970-4294-be5c-0919c5aaa214" xsi:nil="true"/>
-  </documentManagement>
-</p:properties>
+<file path=customXml/itemProps1.xml><?xml version="1.0" encoding="utf-8"?>
+<ds:datastoreItem xmlns:ds="http://schemas.openxmlformats.org/officeDocument/2006/customXml" ds:itemID="{2DA015F3-603C-4688-A5F3-81D587DAB8C9}">
+  <ds:schemaRefs>
+    <ds:schemaRef ds:uri="http://schemas.microsoft.com/sharepoint/v3/contenttype/forms"/>
+  </ds:schemaRefs>
+</ds:datastoreItem>
 </file>
 
-<file path=customXml/itemProps1.xml><?xml version="1.0" encoding="utf-8"?>
+<file path=customXml/itemProps2.xml><?xml version="1.0" encoding="utf-8"?>
 <ds:datastoreItem xmlns:ds="http://schemas.openxmlformats.org/officeDocument/2006/customXml" ds:itemID="{B9043294-8302-4947-B882-02D6486F929C}">
   <ds:schemaRefs>
     <ds:schemaRef ds:uri="http://schemas.microsoft.com/sharepoint/events"/>
@@ -38382,15 +38191,24 @@
 </ds:datastoreItem>
 </file>
 
-<file path=customXml/itemProps2.xml><?xml version="1.0" encoding="utf-8"?>
-<ds:datastoreItem xmlns:ds="http://schemas.openxmlformats.org/officeDocument/2006/customXml" ds:itemID="{2DA015F3-603C-4688-A5F3-81D587DAB8C9}">
+<file path=customXml/itemProps3.xml><?xml version="1.0" encoding="utf-8"?>
+<ds:datastoreItem xmlns:ds="http://schemas.openxmlformats.org/officeDocument/2006/customXml" ds:itemID="{F47B9207-CE5C-49AD-B414-15CBFA246D65}">
   <ds:schemaRefs>
-    <ds:schemaRef ds:uri="http://schemas.microsoft.com/sharepoint/v3/contenttype/forms"/>
+    <ds:schemaRef ds:uri="037063e9-a85e-4c78-8627-f1a9315663e5"/>
+    <ds:schemaRef ds:uri="http://purl.org/dc/terms/"/>
+    <ds:schemaRef ds:uri="http://schemas.microsoft.com/office/infopath/2007/PartnerControls"/>
+    <ds:schemaRef ds:uri="http://schemas.microsoft.com/office/2006/documentManagement/types"/>
+    <ds:schemaRef ds:uri="http://schemas.microsoft.com/office/2006/metadata/properties"/>
+    <ds:schemaRef ds:uri="http://purl.org/dc/elements/1.1/"/>
+    <ds:schemaRef ds:uri="http://schemas.openxmlformats.org/package/2006/metadata/core-properties"/>
+    <ds:schemaRef ds:uri="027ed24f-5970-4294-be5c-0919c5aaa214"/>
+    <ds:schemaRef ds:uri="http://www.w3.org/XML/1998/namespace"/>
+    <ds:schemaRef ds:uri="http://purl.org/dc/dcmitype/"/>
   </ds:schemaRefs>
 </ds:datastoreItem>
 </file>
 
-<file path=customXml/itemProps3.xml><?xml version="1.0" encoding="utf-8"?>
+<file path=customXml/itemProps4.xml><?xml version="1.0" encoding="utf-8"?>
 <ds:datastoreItem xmlns:ds="http://schemas.openxmlformats.org/officeDocument/2006/customXml" ds:itemID="{41A1F8C2-0CB7-4B0D-AA1A-054546402046}">
   <ds:schemaRefs>
     <ds:schemaRef ds:uri="http://schemas.microsoft.com/office/2006/metadata/contentType"/>
@@ -38407,21 +38225,4 @@
     <ds:schemaRef ds:uri="http://schemas.microsoft.com/internal/obd"/>
   </ds:schemaRefs>
 </ds:datastoreItem>
-</file>
-
-<file path=customXml/itemProps4.xml><?xml version="1.0" encoding="utf-8"?>
-<ds:datastoreItem xmlns:ds="http://schemas.openxmlformats.org/officeDocument/2006/customXml" ds:itemID="{F47B9207-CE5C-49AD-B414-15CBFA246D65}">
-  <ds:schemaRefs>
-    <ds:schemaRef ds:uri="037063e9-a85e-4c78-8627-f1a9315663e5"/>
-    <ds:schemaRef ds:uri="http://purl.org/dc/terms/"/>
-    <ds:schemaRef ds:uri="http://schemas.microsoft.com/office/infopath/2007/PartnerControls"/>
-    <ds:schemaRef ds:uri="http://schemas.microsoft.com/office/2006/documentManagement/types"/>
-    <ds:schemaRef ds:uri="http://schemas.microsoft.com/office/2006/metadata/properties"/>
-    <ds:schemaRef ds:uri="http://purl.org/dc/elements/1.1/"/>
-    <ds:schemaRef ds:uri="http://schemas.openxmlformats.org/package/2006/metadata/core-properties"/>
-    <ds:schemaRef ds:uri="027ed24f-5970-4294-be5c-0919c5aaa214"/>
-    <ds:schemaRef ds:uri="http://www.w3.org/XML/1998/namespace"/>
-    <ds:schemaRef ds:uri="http://purl.org/dc/dcmitype/"/>
-  </ds:schemaRefs>
-</ds:datastoreItem>
 </file>